--- a/Projet FroggerRapport.pptx
+++ b/Projet FroggerRapport.pptx
@@ -3085,7 +3085,6 @@
           <a:p>
             <a:r>
               <a:rPr lang="fr-FR" altLang="en-US">
-                <a:ln/>
                 <a:solidFill>
                   <a:schemeClr val="tx1"/>
                 </a:solidFill>
@@ -3100,7 +3099,6 @@
               <a:t>Objectif et travaille</a:t>
             </a:r>
             <a:endParaRPr lang="fr-FR" altLang="en-US">
-              <a:ln/>
               <a:solidFill>
                 <a:schemeClr val="tx1"/>
               </a:solidFill>
@@ -3199,7 +3197,6 @@
           <a:p>
             <a:r>
               <a:rPr lang="fr-FR" altLang="en-US">
-                <a:ln/>
                 <a:solidFill>
                   <a:schemeClr val="tx1"/>
                 </a:solidFill>
@@ -3215,7 +3212,6 @@
             </a:r>
             <a:br>
               <a:rPr lang="fr-FR" altLang="en-US">
-                <a:ln/>
                 <a:solidFill>
                   <a:schemeClr val="tx1"/>
                 </a:solidFill>
@@ -3242,7 +3238,6 @@
               <a:t>https://codimd.math.cnrs.fr/qbEVpm9YQKaj8ypRo3zG6Q?view</a:t>
             </a:r>
             <a:endParaRPr lang="fr-FR" altLang="en-US">
-              <a:ln/>
               <a:solidFill>
                 <a:schemeClr val="tx1"/>
               </a:solidFill>
@@ -3269,77 +3264,111 @@
         </p:nvSpPr>
         <p:spPr/>
         <p:txBody>
-          <a:bodyPr/>
-          <a:p>
-            <a:r>
-              <a:rPr lang="fr-FR" altLang="en-US" b="1" i="1"/>
+          <a:bodyPr>
+            <a:normAutofit lnSpcReduction="10000"/>
+          </a:bodyPr>
+          <a:p>
+            <a:r>
+              <a:rPr lang="fr-FR" altLang="en-US" sz="2000" b="1" i="1"/>
               <a:t>Cheima :</a:t>
             </a:r>
-            <a:endParaRPr lang="fr-FR" altLang="en-US" b="1" i="1"/>
+            <a:endParaRPr lang="fr-FR" altLang="en-US" sz="2000" b="1" i="1"/>
           </a:p>
           <a:p>
             <a:pPr marL="0" indent="0">
               <a:buNone/>
             </a:pPr>
             <a:r>
-              <a:rPr lang="fr-FR" altLang="en-US" b="1"/>
+              <a:rPr lang="fr-FR" altLang="en-US" sz="2000" b="1"/>
               <a:t>Normal - Partie 2</a:t>
             </a:r>
-            <a:endParaRPr lang="fr-FR" altLang="en-US" b="1"/>
-          </a:p>
-          <a:p>
-            <a:r>
-              <a:rPr lang="fr-FR" altLang="en-US"/>
-              <a:t>***(2.2) Lane***</a:t>
-            </a:r>
-            <a:endParaRPr lang="fr-FR" altLang="en-US"/>
-          </a:p>
-          <a:p>
-            <a:r>
-              <a:rPr lang="fr-FR" altLang="en-US"/>
-              <a:t>***(2.3) Envionnement***</a:t>
-            </a:r>
-            <a:endParaRPr lang="fr-FR" altLang="en-US"/>
+            <a:endParaRPr lang="fr-FR" altLang="en-US" sz="2000" b="1"/>
+          </a:p>
+          <a:p>
+            <a:r>
+              <a:rPr lang="fr-FR" altLang="en-US" sz="2000"/>
+              <a:t>*** (2.2) Lane***</a:t>
+            </a:r>
+            <a:endParaRPr lang="fr-FR" altLang="en-US" sz="2000"/>
+          </a:p>
+          <a:p>
+            <a:r>
+              <a:rPr lang="fr-FR" altLang="en-US" sz="2000"/>
+              <a:t>*** (2.3) Envionnement***</a:t>
+            </a:r>
+            <a:endParaRPr lang="fr-FR" altLang="en-US" sz="2000"/>
           </a:p>
           <a:p>
             <a:pPr marL="0" indent="0">
               <a:buNone/>
             </a:pPr>
             <a:r>
-              <a:rPr lang="fr-FR" altLang="en-US" b="1"/>
+              <a:rPr lang="fr-FR" altLang="en-US" sz="2000" b="1"/>
               <a:t>Infini - Partie 3</a:t>
             </a:r>
-            <a:endParaRPr lang="fr-FR" altLang="en-US" b="1"/>
-          </a:p>
-          <a:p>
-            <a:r>
-              <a:rPr lang="fr-FR" altLang="en-US">
+            <a:endParaRPr lang="fr-FR" altLang="en-US" sz="2000" b="1"/>
+          </a:p>
+          <a:p>
+            <a:r>
+              <a:rPr lang="fr-FR" altLang="en-US" sz="2000">
                 <a:sym typeface="+mn-ea"/>
               </a:rPr>
-              <a:t>***(3.1) FrogInf ***</a:t>
-            </a:r>
-            <a:endParaRPr lang="fr-FR" altLang="en-US"/>
-          </a:p>
-          <a:p>
-            <a:r>
-              <a:rPr lang="fr-FR" altLang="en-US">
+              <a:t>*** (3.1) FrogInf ***</a:t>
+            </a:r>
+            <a:endParaRPr lang="fr-FR" altLang="en-US" sz="2000"/>
+          </a:p>
+          <a:p>
+            <a:r>
+              <a:rPr lang="fr-FR" altLang="en-US" sz="2000">
                 <a:sym typeface="+mn-ea"/>
               </a:rPr>
-              <a:t>***(3.3) EnvInf ***</a:t>
-            </a:r>
-            <a:endParaRPr lang="fr-FR" altLang="en-US"/>
-          </a:p>
-          <a:p>
-            <a:r>
-              <a:rPr lang="fr-FR" altLang="en-US">
+              <a:t>*** (3.3) EnvInf ***</a:t>
+            </a:r>
+            <a:endParaRPr lang="fr-FR" altLang="en-US" sz="2000"/>
+          </a:p>
+          <a:p>
+            <a:r>
+              <a:rPr lang="fr-FR" altLang="en-US" sz="2000">
                 <a:sym typeface="+mn-ea"/>
               </a:rPr>
-              <a:t>***(3.5) Game.java ***</a:t>
-            </a:r>
-            <a:endParaRPr lang="fr-FR" altLang="en-US"/>
-          </a:p>
-          <a:p>
-            <a:endParaRPr lang="fr-FR" altLang="en-US"/>
+              <a:t>*** (3.5) Game.java ***</a:t>
+            </a:r>
+            <a:endParaRPr lang="fr-FR" altLang="en-US" sz="2000">
+              <a:sym typeface="+mn-ea"/>
+            </a:endParaRPr>
+          </a:p>
+          <a:p>
+            <a:pPr marL="0" indent="0">
+              <a:buNone/>
+            </a:pPr>
+            <a:r>
+              <a:rPr lang="fr-FR" altLang="en-US" sz="2000" b="1"/>
+              <a:t>Infini + piège - Partie 4</a:t>
+            </a:r>
+            <a:endParaRPr lang="fr-FR" altLang="en-US" sz="2000" b="1"/>
+          </a:p>
+          <a:p>
+            <a:r>
+              <a:rPr lang="fr-FR" altLang="en-US" sz="2000"/>
+              <a:t>*** (5.1) Timer ***</a:t>
+            </a:r>
+            <a:endParaRPr lang="fr-FR" altLang="en-US" sz="2000"/>
+          </a:p>
+          <a:p>
+            <a:r>
+              <a:rPr lang="fr-FR" altLang="en-US" sz="2000"/>
+              <a:t>*** Case Bonus (score) ***</a:t>
+            </a:r>
+            <a:endParaRPr lang="fr-FR" altLang="en-US" sz="2000"/>
+          </a:p>
+          <a:p>
+            <a:pPr marL="0" indent="0">
+              <a:buNone/>
+            </a:pPr>
+            <a:endParaRPr lang="fr-FR" altLang="en-US" b="1"/>
+          </a:p>
+          <a:p>
+            <a:endParaRPr lang="fr-FR" altLang="en-US" b="1"/>
           </a:p>
         </p:txBody>
       </p:sp>
@@ -3379,7 +3408,6 @@
           <a:p>
             <a:r>
               <a:rPr lang="fr-FR" altLang="en-US">
-                <a:ln/>
                 <a:solidFill>
                   <a:schemeClr val="tx1"/>
                 </a:solidFill>
@@ -3396,7 +3424,6 @@
             </a:r>
             <a:br>
               <a:rPr lang="fr-FR" altLang="en-US">
-                <a:ln/>
                 <a:solidFill>
                   <a:schemeClr val="tx1"/>
                 </a:solidFill>
@@ -3412,7 +3439,6 @@
             </a:br>
             <a:r>
               <a:rPr lang="fr-FR" altLang="en-US" sz="1600">
-                <a:ln/>
                 <a:solidFill>
                   <a:schemeClr val="tx1"/>
                 </a:solidFill>
@@ -3428,7 +3454,6 @@
               <a:t>https://codimd.math.cnrs.fr/qbEVpm9YQKaj8ypRo3zG6Q?view</a:t>
             </a:r>
             <a:endParaRPr lang="fr-FR" altLang="en-US" sz="1600">
-              <a:ln/>
               <a:solidFill>
                 <a:schemeClr val="tx1"/>
               </a:solidFill>
@@ -3457,7 +3482,7 @@
         <p:spPr/>
         <p:txBody>
           <a:bodyPr>
-            <a:normAutofit fontScale="80000"/>
+            <a:normAutofit fontScale="60000"/>
           </a:bodyPr>
           <a:p>
             <a:r>
@@ -3549,6 +3574,25 @@
             <a:r>
               <a:rPr lang="fr-FR" altLang="en-US"/>
               <a:t>***(3.5) Game.java ***</a:t>
+            </a:r>
+            <a:endParaRPr lang="fr-FR" altLang="en-US"/>
+          </a:p>
+          <a:p>
+            <a:pPr marL="0" indent="0">
+              <a:buNone/>
+            </a:pPr>
+            <a:r>
+              <a:rPr lang="fr-FR" altLang="en-US" b="1">
+                <a:sym typeface="+mn-ea"/>
+              </a:rPr>
+              <a:t>Infini + piège - Partie 4</a:t>
+            </a:r>
+            <a:endParaRPr lang="fr-FR" altLang="en-US" b="1"/>
+          </a:p>
+          <a:p>
+            <a:r>
+              <a:rPr lang="fr-FR" altLang="en-US"/>
+              <a:t> *** piege perte de point (piege) ***</a:t>
             </a:r>
             <a:endParaRPr lang="fr-FR" altLang="en-US"/>
           </a:p>
@@ -3629,6 +3673,22 @@
             <a:endParaRPr lang="fr-FR" altLang="en-US"/>
           </a:p>
           <a:p>
+            <a:r>
+              <a:rPr lang="fr-FR" altLang="en-US"/>
+              <a:t> </a:t>
+            </a:r>
+            <a:r>
+              <a:rPr lang="fr-FR" altLang="en-US">
+                <a:sym typeface="+mn-ea"/>
+              </a:rPr>
+              <a:t> piege perte de point (piege) </a:t>
+            </a:r>
+            <a:endParaRPr lang="fr-FR" altLang="en-US"/>
+          </a:p>
+          <a:p>
+            <a:endParaRPr lang="fr-FR" altLang="en-US"/>
+          </a:p>
+          <a:p>
             <a:pPr marL="0" indent="0">
               <a:buNone/>
             </a:pPr>
@@ -3670,7 +3730,6 @@
           <a:p>
             <a:r>
               <a:rPr lang="fr-FR" altLang="en-US" sz="3600">
-                <a:ln/>
                 <a:solidFill>
                   <a:schemeClr val="tx1"/>
                 </a:solidFill>
@@ -3685,7 +3744,6 @@
               <a:t>Ce qu’on aurait voulu faire de plus (Partie 5)</a:t>
             </a:r>
             <a:endParaRPr lang="fr-FR" altLang="en-US" sz="3600">
-              <a:ln/>
               <a:solidFill>
                 <a:schemeClr val="tx1"/>
               </a:solidFill>
@@ -3730,7 +3788,7 @@
           <a:p>
             <a:r>
               <a:rPr lang="fr-FR" altLang="en-US"/>
-              <a:t> Menu</a:t>
+              <a:t> Menu avec choix</a:t>
             </a:r>
             <a:endParaRPr lang="fr-FR" altLang="en-US"/>
           </a:p>
@@ -3777,7 +3835,6 @@
           <a:p>
             <a:r>
               <a:rPr lang="fr-FR" altLang="en-US">
-                <a:ln/>
                 <a:solidFill>
                   <a:schemeClr val="tx1"/>
                 </a:solidFill>
@@ -3792,7 +3849,6 @@
               <a:t>Conclusion</a:t>
             </a:r>
             <a:endParaRPr lang="fr-FR" altLang="en-US">
-              <a:ln/>
               <a:solidFill>
                 <a:schemeClr val="tx1"/>
               </a:solidFill>
